--- a/ppt 16-9/0168.以马内利来临.pptx
+++ b/ppt 16-9/0168.以马内利来临.pptx
@@ -129,7 +129,7 @@
           <p:cNvPr id="2" name="标题 1">
             <a:extLst>
               <a:ext uri="{FF2B5EF4-FFF2-40B4-BE49-F238E27FC236}">
-                <a16:creationId xmlns:a16="http://schemas.microsoft.com/office/drawing/2014/main" id="{8858545A-73FF-90D3-F59D-35D6536DE1F5}"/>
+                <a16:creationId xmlns:a16="http://schemas.microsoft.com/office/drawing/2014/main" id="{43BA592D-14B8-E550-8846-388F9D7328FD}"/>
               </a:ext>
             </a:extLst>
           </p:cNvPr>
@@ -166,7 +166,7 @@
           <p:cNvPr id="3" name="副标题 2">
             <a:extLst>
               <a:ext uri="{FF2B5EF4-FFF2-40B4-BE49-F238E27FC236}">
-                <a16:creationId xmlns:a16="http://schemas.microsoft.com/office/drawing/2014/main" id="{BD0873CE-C7C7-C0D0-EA1C-48DFC17878AC}"/>
+                <a16:creationId xmlns:a16="http://schemas.microsoft.com/office/drawing/2014/main" id="{BC0AA248-8FE4-B018-0265-1F2E1D5F5426}"/>
               </a:ext>
             </a:extLst>
           </p:cNvPr>
@@ -236,7 +236,7 @@
           <p:cNvPr id="4" name="日期占位符 3">
             <a:extLst>
               <a:ext uri="{FF2B5EF4-FFF2-40B4-BE49-F238E27FC236}">
-                <a16:creationId xmlns:a16="http://schemas.microsoft.com/office/drawing/2014/main" id="{0F059287-8750-4EAF-52C4-4AFA0DB44405}"/>
+                <a16:creationId xmlns:a16="http://schemas.microsoft.com/office/drawing/2014/main" id="{93B7AE16-AAC9-6C22-DFB5-856F170AC341}"/>
               </a:ext>
             </a:extLst>
           </p:cNvPr>
@@ -252,7 +252,7 @@
           <a:bodyPr/>
           <a:lstStyle/>
           <a:p>
-            <a:fld id="{7F59BC3D-56DB-49AC-A56D-DD64404BF0C0}" type="datetimeFigureOut">
+            <a:fld id="{B89F2481-DDFB-4D9A-AD6B-25A4A1F61E71}" type="datetimeFigureOut">
               <a:rPr lang="zh-CN" altLang="en-US" smtClean="0"/>
               <a:t>2024/3/10</a:t>
             </a:fld>
@@ -265,7 +265,7 @@
           <p:cNvPr id="5" name="页脚占位符 4">
             <a:extLst>
               <a:ext uri="{FF2B5EF4-FFF2-40B4-BE49-F238E27FC236}">
-                <a16:creationId xmlns:a16="http://schemas.microsoft.com/office/drawing/2014/main" id="{FC0A113D-D52C-A61B-B305-AAD2CAC69158}"/>
+                <a16:creationId xmlns:a16="http://schemas.microsoft.com/office/drawing/2014/main" id="{F5B9FFC7-3B8E-1818-F448-18E19D2F277E}"/>
               </a:ext>
             </a:extLst>
           </p:cNvPr>
@@ -290,7 +290,7 @@
           <p:cNvPr id="6" name="灯片编号占位符 5">
             <a:extLst>
               <a:ext uri="{FF2B5EF4-FFF2-40B4-BE49-F238E27FC236}">
-                <a16:creationId xmlns:a16="http://schemas.microsoft.com/office/drawing/2014/main" id="{E691284B-B34B-3EFF-CDF2-E4DB1B59B1AE}"/>
+                <a16:creationId xmlns:a16="http://schemas.microsoft.com/office/drawing/2014/main" id="{3ACE19FB-1AD7-1C7A-EEE4-87A529322B79}"/>
               </a:ext>
             </a:extLst>
           </p:cNvPr>
@@ -306,7 +306,7 @@
           <a:bodyPr/>
           <a:lstStyle/>
           <a:p>
-            <a:fld id="{7E5EEA4A-DC61-4408-880F-957AE3177D89}" type="slidenum">
+            <a:fld id="{0DF4A9C0-E55E-4637-9335-6549DE6A7FCA}" type="slidenum">
               <a:rPr lang="zh-CN" altLang="en-US" smtClean="0"/>
               <a:t>‹#›</a:t>
             </a:fld>
@@ -317,7 +317,7 @@
     </p:spTree>
     <p:extLst>
       <p:ext uri="{BB962C8B-B14F-4D97-AF65-F5344CB8AC3E}">
-        <p14:creationId xmlns:p14="http://schemas.microsoft.com/office/powerpoint/2010/main" val="4248676883"/>
+        <p14:creationId xmlns:p14="http://schemas.microsoft.com/office/powerpoint/2010/main" val="2055058648"/>
       </p:ext>
     </p:extLst>
   </p:cSld>
@@ -349,7 +349,7 @@
           <p:cNvPr id="2" name="标题 1">
             <a:extLst>
               <a:ext uri="{FF2B5EF4-FFF2-40B4-BE49-F238E27FC236}">
-                <a16:creationId xmlns:a16="http://schemas.microsoft.com/office/drawing/2014/main" id="{3AA7CD05-E95D-EA85-A82B-D212E89C8901}"/>
+                <a16:creationId xmlns:a16="http://schemas.microsoft.com/office/drawing/2014/main" id="{658ACF1C-9C43-31F0-602F-9996804985F1}"/>
               </a:ext>
             </a:extLst>
           </p:cNvPr>
@@ -377,7 +377,7 @@
           <p:cNvPr id="3" name="竖排文字占位符 2">
             <a:extLst>
               <a:ext uri="{FF2B5EF4-FFF2-40B4-BE49-F238E27FC236}">
-                <a16:creationId xmlns:a16="http://schemas.microsoft.com/office/drawing/2014/main" id="{7CDDCC75-4E4B-CCB0-C775-E510F9656B08}"/>
+                <a16:creationId xmlns:a16="http://schemas.microsoft.com/office/drawing/2014/main" id="{F4F90FF9-B13B-81A7-E1E6-9BF15735E694}"/>
               </a:ext>
             </a:extLst>
           </p:cNvPr>
@@ -434,7 +434,7 @@
           <p:cNvPr id="4" name="日期占位符 3">
             <a:extLst>
               <a:ext uri="{FF2B5EF4-FFF2-40B4-BE49-F238E27FC236}">
-                <a16:creationId xmlns:a16="http://schemas.microsoft.com/office/drawing/2014/main" id="{F59D2742-3E4C-0948-EC66-560B61A133A6}"/>
+                <a16:creationId xmlns:a16="http://schemas.microsoft.com/office/drawing/2014/main" id="{08CDBE41-3768-B6F0-8541-EF397E9DB79B}"/>
               </a:ext>
             </a:extLst>
           </p:cNvPr>
@@ -450,7 +450,7 @@
           <a:bodyPr/>
           <a:lstStyle/>
           <a:p>
-            <a:fld id="{7F59BC3D-56DB-49AC-A56D-DD64404BF0C0}" type="datetimeFigureOut">
+            <a:fld id="{B89F2481-DDFB-4D9A-AD6B-25A4A1F61E71}" type="datetimeFigureOut">
               <a:rPr lang="zh-CN" altLang="en-US" smtClean="0"/>
               <a:t>2024/3/10</a:t>
             </a:fld>
@@ -463,7 +463,7 @@
           <p:cNvPr id="5" name="页脚占位符 4">
             <a:extLst>
               <a:ext uri="{FF2B5EF4-FFF2-40B4-BE49-F238E27FC236}">
-                <a16:creationId xmlns:a16="http://schemas.microsoft.com/office/drawing/2014/main" id="{113BB4A2-DD27-0F9F-7EE8-D77FC1D21F3C}"/>
+                <a16:creationId xmlns:a16="http://schemas.microsoft.com/office/drawing/2014/main" id="{5440F3EF-E15D-0A8E-3FC8-475A811CC0CD}"/>
               </a:ext>
             </a:extLst>
           </p:cNvPr>
@@ -488,7 +488,7 @@
           <p:cNvPr id="6" name="灯片编号占位符 5">
             <a:extLst>
               <a:ext uri="{FF2B5EF4-FFF2-40B4-BE49-F238E27FC236}">
-                <a16:creationId xmlns:a16="http://schemas.microsoft.com/office/drawing/2014/main" id="{333FBFE9-1623-D314-9D7F-7F8B4D7E6C25}"/>
+                <a16:creationId xmlns:a16="http://schemas.microsoft.com/office/drawing/2014/main" id="{68CA10B4-BCB1-4EC6-AB10-1130735053EE}"/>
               </a:ext>
             </a:extLst>
           </p:cNvPr>
@@ -504,7 +504,7 @@
           <a:bodyPr/>
           <a:lstStyle/>
           <a:p>
-            <a:fld id="{7E5EEA4A-DC61-4408-880F-957AE3177D89}" type="slidenum">
+            <a:fld id="{0DF4A9C0-E55E-4637-9335-6549DE6A7FCA}" type="slidenum">
               <a:rPr lang="zh-CN" altLang="en-US" smtClean="0"/>
               <a:t>‹#›</a:t>
             </a:fld>
@@ -515,7 +515,7 @@
     </p:spTree>
     <p:extLst>
       <p:ext uri="{BB962C8B-B14F-4D97-AF65-F5344CB8AC3E}">
-        <p14:creationId xmlns:p14="http://schemas.microsoft.com/office/powerpoint/2010/main" val="2049338849"/>
+        <p14:creationId xmlns:p14="http://schemas.microsoft.com/office/powerpoint/2010/main" val="2220723802"/>
       </p:ext>
     </p:extLst>
   </p:cSld>
@@ -547,7 +547,7 @@
           <p:cNvPr id="2" name="竖排标题 1">
             <a:extLst>
               <a:ext uri="{FF2B5EF4-FFF2-40B4-BE49-F238E27FC236}">
-                <a16:creationId xmlns:a16="http://schemas.microsoft.com/office/drawing/2014/main" id="{13345D93-201B-A364-0311-2AEFD9D90704}"/>
+                <a16:creationId xmlns:a16="http://schemas.microsoft.com/office/drawing/2014/main" id="{B88434BF-CD7D-2085-1F7A-645117112CF6}"/>
               </a:ext>
             </a:extLst>
           </p:cNvPr>
@@ -580,7 +580,7 @@
           <p:cNvPr id="3" name="竖排文字占位符 2">
             <a:extLst>
               <a:ext uri="{FF2B5EF4-FFF2-40B4-BE49-F238E27FC236}">
-                <a16:creationId xmlns:a16="http://schemas.microsoft.com/office/drawing/2014/main" id="{D574324F-5FFF-189C-1D99-4C269B3A5693}"/>
+                <a16:creationId xmlns:a16="http://schemas.microsoft.com/office/drawing/2014/main" id="{7D14F28E-932E-121C-0704-2741744DAF11}"/>
               </a:ext>
             </a:extLst>
           </p:cNvPr>
@@ -642,7 +642,7 @@
           <p:cNvPr id="4" name="日期占位符 3">
             <a:extLst>
               <a:ext uri="{FF2B5EF4-FFF2-40B4-BE49-F238E27FC236}">
-                <a16:creationId xmlns:a16="http://schemas.microsoft.com/office/drawing/2014/main" id="{DDA11643-5817-5F59-C6D8-752402305171}"/>
+                <a16:creationId xmlns:a16="http://schemas.microsoft.com/office/drawing/2014/main" id="{973697AE-BBEB-15D4-89F1-9276BC668B5B}"/>
               </a:ext>
             </a:extLst>
           </p:cNvPr>
@@ -658,7 +658,7 @@
           <a:bodyPr/>
           <a:lstStyle/>
           <a:p>
-            <a:fld id="{7F59BC3D-56DB-49AC-A56D-DD64404BF0C0}" type="datetimeFigureOut">
+            <a:fld id="{B89F2481-DDFB-4D9A-AD6B-25A4A1F61E71}" type="datetimeFigureOut">
               <a:rPr lang="zh-CN" altLang="en-US" smtClean="0"/>
               <a:t>2024/3/10</a:t>
             </a:fld>
@@ -671,7 +671,7 @@
           <p:cNvPr id="5" name="页脚占位符 4">
             <a:extLst>
               <a:ext uri="{FF2B5EF4-FFF2-40B4-BE49-F238E27FC236}">
-                <a16:creationId xmlns:a16="http://schemas.microsoft.com/office/drawing/2014/main" id="{A7B81D48-7C61-D335-1202-26C006BBA749}"/>
+                <a16:creationId xmlns:a16="http://schemas.microsoft.com/office/drawing/2014/main" id="{F8456857-1B41-E20C-46C0-D1DC50960B74}"/>
               </a:ext>
             </a:extLst>
           </p:cNvPr>
@@ -696,7 +696,7 @@
           <p:cNvPr id="6" name="灯片编号占位符 5">
             <a:extLst>
               <a:ext uri="{FF2B5EF4-FFF2-40B4-BE49-F238E27FC236}">
-                <a16:creationId xmlns:a16="http://schemas.microsoft.com/office/drawing/2014/main" id="{4A764C29-8993-FB54-6058-7E691B438C7B}"/>
+                <a16:creationId xmlns:a16="http://schemas.microsoft.com/office/drawing/2014/main" id="{30261AA4-EE20-1B35-FDBC-3E39BF4307A6}"/>
               </a:ext>
             </a:extLst>
           </p:cNvPr>
@@ -712,7 +712,7 @@
           <a:bodyPr/>
           <a:lstStyle/>
           <a:p>
-            <a:fld id="{7E5EEA4A-DC61-4408-880F-957AE3177D89}" type="slidenum">
+            <a:fld id="{0DF4A9C0-E55E-4637-9335-6549DE6A7FCA}" type="slidenum">
               <a:rPr lang="zh-CN" altLang="en-US" smtClean="0"/>
               <a:t>‹#›</a:t>
             </a:fld>
@@ -723,7 +723,7 @@
     </p:spTree>
     <p:extLst>
       <p:ext uri="{BB962C8B-B14F-4D97-AF65-F5344CB8AC3E}">
-        <p14:creationId xmlns:p14="http://schemas.microsoft.com/office/powerpoint/2010/main" val="2623581329"/>
+        <p14:creationId xmlns:p14="http://schemas.microsoft.com/office/powerpoint/2010/main" val="1040052247"/>
       </p:ext>
     </p:extLst>
   </p:cSld>
@@ -755,7 +755,7 @@
           <p:cNvPr id="2" name="标题 1">
             <a:extLst>
               <a:ext uri="{FF2B5EF4-FFF2-40B4-BE49-F238E27FC236}">
-                <a16:creationId xmlns:a16="http://schemas.microsoft.com/office/drawing/2014/main" id="{6D10F0B0-79A2-2D94-80A4-DBE735919BB2}"/>
+                <a16:creationId xmlns:a16="http://schemas.microsoft.com/office/drawing/2014/main" id="{58A6B28F-2D97-BAA5-B2A5-46DBAA6AC0EC}"/>
               </a:ext>
             </a:extLst>
           </p:cNvPr>
@@ -783,7 +783,7 @@
           <p:cNvPr id="3" name="内容占位符 2">
             <a:extLst>
               <a:ext uri="{FF2B5EF4-FFF2-40B4-BE49-F238E27FC236}">
-                <a16:creationId xmlns:a16="http://schemas.microsoft.com/office/drawing/2014/main" id="{BDBB0560-787E-14DB-9F0C-C8A7CC9C4D22}"/>
+                <a16:creationId xmlns:a16="http://schemas.microsoft.com/office/drawing/2014/main" id="{03AFF2D8-0D91-73D0-0E15-CD252739A417}"/>
               </a:ext>
             </a:extLst>
           </p:cNvPr>
@@ -840,7 +840,7 @@
           <p:cNvPr id="4" name="日期占位符 3">
             <a:extLst>
               <a:ext uri="{FF2B5EF4-FFF2-40B4-BE49-F238E27FC236}">
-                <a16:creationId xmlns:a16="http://schemas.microsoft.com/office/drawing/2014/main" id="{DC215CA0-2002-8692-36CC-9AEAA65458EA}"/>
+                <a16:creationId xmlns:a16="http://schemas.microsoft.com/office/drawing/2014/main" id="{E154B714-5C6A-89D3-7BE0-702BF699CD46}"/>
               </a:ext>
             </a:extLst>
           </p:cNvPr>
@@ -856,7 +856,7 @@
           <a:bodyPr/>
           <a:lstStyle/>
           <a:p>
-            <a:fld id="{7F59BC3D-56DB-49AC-A56D-DD64404BF0C0}" type="datetimeFigureOut">
+            <a:fld id="{B89F2481-DDFB-4D9A-AD6B-25A4A1F61E71}" type="datetimeFigureOut">
               <a:rPr lang="zh-CN" altLang="en-US" smtClean="0"/>
               <a:t>2024/3/10</a:t>
             </a:fld>
@@ -869,7 +869,7 @@
           <p:cNvPr id="5" name="页脚占位符 4">
             <a:extLst>
               <a:ext uri="{FF2B5EF4-FFF2-40B4-BE49-F238E27FC236}">
-                <a16:creationId xmlns:a16="http://schemas.microsoft.com/office/drawing/2014/main" id="{D710DDD5-5D88-FF4E-7B9E-F7EE96F24ACC}"/>
+                <a16:creationId xmlns:a16="http://schemas.microsoft.com/office/drawing/2014/main" id="{423775B4-D8D9-C6E3-903B-01253F2BBBE6}"/>
               </a:ext>
             </a:extLst>
           </p:cNvPr>
@@ -894,7 +894,7 @@
           <p:cNvPr id="6" name="灯片编号占位符 5">
             <a:extLst>
               <a:ext uri="{FF2B5EF4-FFF2-40B4-BE49-F238E27FC236}">
-                <a16:creationId xmlns:a16="http://schemas.microsoft.com/office/drawing/2014/main" id="{FD0427CD-7219-668B-CEF7-A309AAE70B4C}"/>
+                <a16:creationId xmlns:a16="http://schemas.microsoft.com/office/drawing/2014/main" id="{8E59A45F-5688-F4E6-BAA2-27941F1BDF85}"/>
               </a:ext>
             </a:extLst>
           </p:cNvPr>
@@ -910,7 +910,7 @@
           <a:bodyPr/>
           <a:lstStyle/>
           <a:p>
-            <a:fld id="{7E5EEA4A-DC61-4408-880F-957AE3177D89}" type="slidenum">
+            <a:fld id="{0DF4A9C0-E55E-4637-9335-6549DE6A7FCA}" type="slidenum">
               <a:rPr lang="zh-CN" altLang="en-US" smtClean="0"/>
               <a:t>‹#›</a:t>
             </a:fld>
@@ -921,7 +921,7 @@
     </p:spTree>
     <p:extLst>
       <p:ext uri="{BB962C8B-B14F-4D97-AF65-F5344CB8AC3E}">
-        <p14:creationId xmlns:p14="http://schemas.microsoft.com/office/powerpoint/2010/main" val="1885176614"/>
+        <p14:creationId xmlns:p14="http://schemas.microsoft.com/office/powerpoint/2010/main" val="1953870289"/>
       </p:ext>
     </p:extLst>
   </p:cSld>
@@ -953,7 +953,7 @@
           <p:cNvPr id="2" name="标题 1">
             <a:extLst>
               <a:ext uri="{FF2B5EF4-FFF2-40B4-BE49-F238E27FC236}">
-                <a16:creationId xmlns:a16="http://schemas.microsoft.com/office/drawing/2014/main" id="{213C1F3B-C689-5E8A-251B-FD4DA9A1F48C}"/>
+                <a16:creationId xmlns:a16="http://schemas.microsoft.com/office/drawing/2014/main" id="{37EC21C8-49A6-2A36-9FBF-27E560859757}"/>
               </a:ext>
             </a:extLst>
           </p:cNvPr>
@@ -990,7 +990,7 @@
           <p:cNvPr id="3" name="文本占位符 2">
             <a:extLst>
               <a:ext uri="{FF2B5EF4-FFF2-40B4-BE49-F238E27FC236}">
-                <a16:creationId xmlns:a16="http://schemas.microsoft.com/office/drawing/2014/main" id="{2DDD8E20-06A3-F765-C81C-39AE529F0E38}"/>
+                <a16:creationId xmlns:a16="http://schemas.microsoft.com/office/drawing/2014/main" id="{9E6E9D9C-BCA9-D3C8-EA18-59268B2C17BD}"/>
               </a:ext>
             </a:extLst>
           </p:cNvPr>
@@ -1115,7 +1115,7 @@
           <p:cNvPr id="4" name="日期占位符 3">
             <a:extLst>
               <a:ext uri="{FF2B5EF4-FFF2-40B4-BE49-F238E27FC236}">
-                <a16:creationId xmlns:a16="http://schemas.microsoft.com/office/drawing/2014/main" id="{414DAC89-A071-E1E3-46C9-CA0767249259}"/>
+                <a16:creationId xmlns:a16="http://schemas.microsoft.com/office/drawing/2014/main" id="{2AFD72BE-76D9-A842-C7B3-C8BC39831CA0}"/>
               </a:ext>
             </a:extLst>
           </p:cNvPr>
@@ -1131,7 +1131,7 @@
           <a:bodyPr/>
           <a:lstStyle/>
           <a:p>
-            <a:fld id="{7F59BC3D-56DB-49AC-A56D-DD64404BF0C0}" type="datetimeFigureOut">
+            <a:fld id="{B89F2481-DDFB-4D9A-AD6B-25A4A1F61E71}" type="datetimeFigureOut">
               <a:rPr lang="zh-CN" altLang="en-US" smtClean="0"/>
               <a:t>2024/3/10</a:t>
             </a:fld>
@@ -1144,7 +1144,7 @@
           <p:cNvPr id="5" name="页脚占位符 4">
             <a:extLst>
               <a:ext uri="{FF2B5EF4-FFF2-40B4-BE49-F238E27FC236}">
-                <a16:creationId xmlns:a16="http://schemas.microsoft.com/office/drawing/2014/main" id="{0085E270-3096-A26C-762E-ED441C33C60F}"/>
+                <a16:creationId xmlns:a16="http://schemas.microsoft.com/office/drawing/2014/main" id="{06427338-01EC-FCF8-D3A5-3B3778FC84CD}"/>
               </a:ext>
             </a:extLst>
           </p:cNvPr>
@@ -1169,7 +1169,7 @@
           <p:cNvPr id="6" name="灯片编号占位符 5">
             <a:extLst>
               <a:ext uri="{FF2B5EF4-FFF2-40B4-BE49-F238E27FC236}">
-                <a16:creationId xmlns:a16="http://schemas.microsoft.com/office/drawing/2014/main" id="{BFF41D60-F5FF-B6DD-F716-AEA754B7F22A}"/>
+                <a16:creationId xmlns:a16="http://schemas.microsoft.com/office/drawing/2014/main" id="{5910FC94-D54A-0A21-270C-AC4FEC8F8C70}"/>
               </a:ext>
             </a:extLst>
           </p:cNvPr>
@@ -1185,7 +1185,7 @@
           <a:bodyPr/>
           <a:lstStyle/>
           <a:p>
-            <a:fld id="{7E5EEA4A-DC61-4408-880F-957AE3177D89}" type="slidenum">
+            <a:fld id="{0DF4A9C0-E55E-4637-9335-6549DE6A7FCA}" type="slidenum">
               <a:rPr lang="zh-CN" altLang="en-US" smtClean="0"/>
               <a:t>‹#›</a:t>
             </a:fld>
@@ -1196,7 +1196,7 @@
     </p:spTree>
     <p:extLst>
       <p:ext uri="{BB962C8B-B14F-4D97-AF65-F5344CB8AC3E}">
-        <p14:creationId xmlns:p14="http://schemas.microsoft.com/office/powerpoint/2010/main" val="1093574453"/>
+        <p14:creationId xmlns:p14="http://schemas.microsoft.com/office/powerpoint/2010/main" val="678320151"/>
       </p:ext>
     </p:extLst>
   </p:cSld>
@@ -1228,7 +1228,7 @@
           <p:cNvPr id="2" name="标题 1">
             <a:extLst>
               <a:ext uri="{FF2B5EF4-FFF2-40B4-BE49-F238E27FC236}">
-                <a16:creationId xmlns:a16="http://schemas.microsoft.com/office/drawing/2014/main" id="{DDBA59C9-AD68-4E13-FD7A-1A9B8B7B5161}"/>
+                <a16:creationId xmlns:a16="http://schemas.microsoft.com/office/drawing/2014/main" id="{23D877C4-7F59-92F9-5C10-83304E1F34C9}"/>
               </a:ext>
             </a:extLst>
           </p:cNvPr>
@@ -1256,7 +1256,7 @@
           <p:cNvPr id="3" name="内容占位符 2">
             <a:extLst>
               <a:ext uri="{FF2B5EF4-FFF2-40B4-BE49-F238E27FC236}">
-                <a16:creationId xmlns:a16="http://schemas.microsoft.com/office/drawing/2014/main" id="{265493F1-15A5-90B3-95FF-ECABFF8621B7}"/>
+                <a16:creationId xmlns:a16="http://schemas.microsoft.com/office/drawing/2014/main" id="{CF631B83-4EB0-E57F-00C8-B16763F5551C}"/>
               </a:ext>
             </a:extLst>
           </p:cNvPr>
@@ -1318,7 +1318,7 @@
           <p:cNvPr id="4" name="内容占位符 3">
             <a:extLst>
               <a:ext uri="{FF2B5EF4-FFF2-40B4-BE49-F238E27FC236}">
-                <a16:creationId xmlns:a16="http://schemas.microsoft.com/office/drawing/2014/main" id="{75CC7AD5-859F-06FC-F385-66BA38D793E8}"/>
+                <a16:creationId xmlns:a16="http://schemas.microsoft.com/office/drawing/2014/main" id="{B97C348D-33A5-7ED0-E4A3-0B25611F5405}"/>
               </a:ext>
             </a:extLst>
           </p:cNvPr>
@@ -1380,7 +1380,7 @@
           <p:cNvPr id="5" name="日期占位符 4">
             <a:extLst>
               <a:ext uri="{FF2B5EF4-FFF2-40B4-BE49-F238E27FC236}">
-                <a16:creationId xmlns:a16="http://schemas.microsoft.com/office/drawing/2014/main" id="{85CA4837-4C1D-3C0E-087E-3476BD248290}"/>
+                <a16:creationId xmlns:a16="http://schemas.microsoft.com/office/drawing/2014/main" id="{AA2EE348-5ED9-2105-7E3B-EFA00AF3C8FB}"/>
               </a:ext>
             </a:extLst>
           </p:cNvPr>
@@ -1396,7 +1396,7 @@
           <a:bodyPr/>
           <a:lstStyle/>
           <a:p>
-            <a:fld id="{7F59BC3D-56DB-49AC-A56D-DD64404BF0C0}" type="datetimeFigureOut">
+            <a:fld id="{B89F2481-DDFB-4D9A-AD6B-25A4A1F61E71}" type="datetimeFigureOut">
               <a:rPr lang="zh-CN" altLang="en-US" smtClean="0"/>
               <a:t>2024/3/10</a:t>
             </a:fld>
@@ -1409,7 +1409,7 @@
           <p:cNvPr id="6" name="页脚占位符 5">
             <a:extLst>
               <a:ext uri="{FF2B5EF4-FFF2-40B4-BE49-F238E27FC236}">
-                <a16:creationId xmlns:a16="http://schemas.microsoft.com/office/drawing/2014/main" id="{A83D2B26-B9CC-BDAF-CDB8-96879277C1E1}"/>
+                <a16:creationId xmlns:a16="http://schemas.microsoft.com/office/drawing/2014/main" id="{0DE42529-068E-882F-EC04-0486B3761214}"/>
               </a:ext>
             </a:extLst>
           </p:cNvPr>
@@ -1434,7 +1434,7 @@
           <p:cNvPr id="7" name="灯片编号占位符 6">
             <a:extLst>
               <a:ext uri="{FF2B5EF4-FFF2-40B4-BE49-F238E27FC236}">
-                <a16:creationId xmlns:a16="http://schemas.microsoft.com/office/drawing/2014/main" id="{B87F5B8C-691E-9358-D208-82DC5988DBDE}"/>
+                <a16:creationId xmlns:a16="http://schemas.microsoft.com/office/drawing/2014/main" id="{0B006040-9D1F-142C-4674-09DC066D98A4}"/>
               </a:ext>
             </a:extLst>
           </p:cNvPr>
@@ -1450,7 +1450,7 @@
           <a:bodyPr/>
           <a:lstStyle/>
           <a:p>
-            <a:fld id="{7E5EEA4A-DC61-4408-880F-957AE3177D89}" type="slidenum">
+            <a:fld id="{0DF4A9C0-E55E-4637-9335-6549DE6A7FCA}" type="slidenum">
               <a:rPr lang="zh-CN" altLang="en-US" smtClean="0"/>
               <a:t>‹#›</a:t>
             </a:fld>
@@ -1461,7 +1461,7 @@
     </p:spTree>
     <p:extLst>
       <p:ext uri="{BB962C8B-B14F-4D97-AF65-F5344CB8AC3E}">
-        <p14:creationId xmlns:p14="http://schemas.microsoft.com/office/powerpoint/2010/main" val="347733334"/>
+        <p14:creationId xmlns:p14="http://schemas.microsoft.com/office/powerpoint/2010/main" val="1085725452"/>
       </p:ext>
     </p:extLst>
   </p:cSld>
@@ -1493,7 +1493,7 @@
           <p:cNvPr id="2" name="标题 1">
             <a:extLst>
               <a:ext uri="{FF2B5EF4-FFF2-40B4-BE49-F238E27FC236}">
-                <a16:creationId xmlns:a16="http://schemas.microsoft.com/office/drawing/2014/main" id="{7CA5B2B7-1A81-CBA5-A784-C6D98A85024E}"/>
+                <a16:creationId xmlns:a16="http://schemas.microsoft.com/office/drawing/2014/main" id="{31350F66-821A-DDCB-75C6-157F1DC75203}"/>
               </a:ext>
             </a:extLst>
           </p:cNvPr>
@@ -1526,7 +1526,7 @@
           <p:cNvPr id="3" name="文本占位符 2">
             <a:extLst>
               <a:ext uri="{FF2B5EF4-FFF2-40B4-BE49-F238E27FC236}">
-                <a16:creationId xmlns:a16="http://schemas.microsoft.com/office/drawing/2014/main" id="{D6175D34-ACE8-FC0C-14FD-B33BEA977D06}"/>
+                <a16:creationId xmlns:a16="http://schemas.microsoft.com/office/drawing/2014/main" id="{A80DD1A0-FB85-9C35-BBAB-4168B86EADD3}"/>
               </a:ext>
             </a:extLst>
           </p:cNvPr>
@@ -1597,7 +1597,7 @@
           <p:cNvPr id="4" name="内容占位符 3">
             <a:extLst>
               <a:ext uri="{FF2B5EF4-FFF2-40B4-BE49-F238E27FC236}">
-                <a16:creationId xmlns:a16="http://schemas.microsoft.com/office/drawing/2014/main" id="{D60B5CC6-D63E-9413-13E1-AD78B6BD4A21}"/>
+                <a16:creationId xmlns:a16="http://schemas.microsoft.com/office/drawing/2014/main" id="{9E5E5832-7FB8-B02F-CC4A-289CF7422ACB}"/>
               </a:ext>
             </a:extLst>
           </p:cNvPr>
@@ -1659,7 +1659,7 @@
           <p:cNvPr id="5" name="文本占位符 4">
             <a:extLst>
               <a:ext uri="{FF2B5EF4-FFF2-40B4-BE49-F238E27FC236}">
-                <a16:creationId xmlns:a16="http://schemas.microsoft.com/office/drawing/2014/main" id="{F2076AD6-0D8F-A0F7-6F3F-B9BC5D56401B}"/>
+                <a16:creationId xmlns:a16="http://schemas.microsoft.com/office/drawing/2014/main" id="{3CD0DB60-CE41-AC70-B20C-F2B549A95F89}"/>
               </a:ext>
             </a:extLst>
           </p:cNvPr>
@@ -1730,7 +1730,7 @@
           <p:cNvPr id="6" name="内容占位符 5">
             <a:extLst>
               <a:ext uri="{FF2B5EF4-FFF2-40B4-BE49-F238E27FC236}">
-                <a16:creationId xmlns:a16="http://schemas.microsoft.com/office/drawing/2014/main" id="{303FBB31-A78A-2C3B-2954-E73BD9685881}"/>
+                <a16:creationId xmlns:a16="http://schemas.microsoft.com/office/drawing/2014/main" id="{4D454567-54D4-5D0F-CA10-F5B8ECADCD8C}"/>
               </a:ext>
             </a:extLst>
           </p:cNvPr>
@@ -1792,7 +1792,7 @@
           <p:cNvPr id="7" name="日期占位符 6">
             <a:extLst>
               <a:ext uri="{FF2B5EF4-FFF2-40B4-BE49-F238E27FC236}">
-                <a16:creationId xmlns:a16="http://schemas.microsoft.com/office/drawing/2014/main" id="{0ED940E4-A4F3-3E82-1553-A3D757A0C2E1}"/>
+                <a16:creationId xmlns:a16="http://schemas.microsoft.com/office/drawing/2014/main" id="{A8CB288E-024E-EEC4-1C7E-76F6901F90D4}"/>
               </a:ext>
             </a:extLst>
           </p:cNvPr>
@@ -1808,7 +1808,7 @@
           <a:bodyPr/>
           <a:lstStyle/>
           <a:p>
-            <a:fld id="{7F59BC3D-56DB-49AC-A56D-DD64404BF0C0}" type="datetimeFigureOut">
+            <a:fld id="{B89F2481-DDFB-4D9A-AD6B-25A4A1F61E71}" type="datetimeFigureOut">
               <a:rPr lang="zh-CN" altLang="en-US" smtClean="0"/>
               <a:t>2024/3/10</a:t>
             </a:fld>
@@ -1821,7 +1821,7 @@
           <p:cNvPr id="8" name="页脚占位符 7">
             <a:extLst>
               <a:ext uri="{FF2B5EF4-FFF2-40B4-BE49-F238E27FC236}">
-                <a16:creationId xmlns:a16="http://schemas.microsoft.com/office/drawing/2014/main" id="{93E37697-18B4-611C-4655-ACC795DBAB63}"/>
+                <a16:creationId xmlns:a16="http://schemas.microsoft.com/office/drawing/2014/main" id="{8AE6AD79-8C34-2346-367F-B4721CD82B1D}"/>
               </a:ext>
             </a:extLst>
           </p:cNvPr>
@@ -1846,7 +1846,7 @@
           <p:cNvPr id="9" name="灯片编号占位符 8">
             <a:extLst>
               <a:ext uri="{FF2B5EF4-FFF2-40B4-BE49-F238E27FC236}">
-                <a16:creationId xmlns:a16="http://schemas.microsoft.com/office/drawing/2014/main" id="{7236085B-1A55-DD6D-0279-04807E417B17}"/>
+                <a16:creationId xmlns:a16="http://schemas.microsoft.com/office/drawing/2014/main" id="{ABA643DE-7D46-D768-E9B2-35E19DEFC228}"/>
               </a:ext>
             </a:extLst>
           </p:cNvPr>
@@ -1862,7 +1862,7 @@
           <a:bodyPr/>
           <a:lstStyle/>
           <a:p>
-            <a:fld id="{7E5EEA4A-DC61-4408-880F-957AE3177D89}" type="slidenum">
+            <a:fld id="{0DF4A9C0-E55E-4637-9335-6549DE6A7FCA}" type="slidenum">
               <a:rPr lang="zh-CN" altLang="en-US" smtClean="0"/>
               <a:t>‹#›</a:t>
             </a:fld>
@@ -1873,7 +1873,7 @@
     </p:spTree>
     <p:extLst>
       <p:ext uri="{BB962C8B-B14F-4D97-AF65-F5344CB8AC3E}">
-        <p14:creationId xmlns:p14="http://schemas.microsoft.com/office/powerpoint/2010/main" val="2454071124"/>
+        <p14:creationId xmlns:p14="http://schemas.microsoft.com/office/powerpoint/2010/main" val="1828558344"/>
       </p:ext>
     </p:extLst>
   </p:cSld>
@@ -1905,7 +1905,7 @@
           <p:cNvPr id="2" name="标题 1">
             <a:extLst>
               <a:ext uri="{FF2B5EF4-FFF2-40B4-BE49-F238E27FC236}">
-                <a16:creationId xmlns:a16="http://schemas.microsoft.com/office/drawing/2014/main" id="{C1137786-B9F5-2238-5096-A652E9A61417}"/>
+                <a16:creationId xmlns:a16="http://schemas.microsoft.com/office/drawing/2014/main" id="{8A33C2E9-7D29-9162-9C94-D16D041931F6}"/>
               </a:ext>
             </a:extLst>
           </p:cNvPr>
@@ -1933,7 +1933,7 @@
           <p:cNvPr id="3" name="日期占位符 2">
             <a:extLst>
               <a:ext uri="{FF2B5EF4-FFF2-40B4-BE49-F238E27FC236}">
-                <a16:creationId xmlns:a16="http://schemas.microsoft.com/office/drawing/2014/main" id="{C466BE42-55E4-10D6-4552-3D9C6503FCEC}"/>
+                <a16:creationId xmlns:a16="http://schemas.microsoft.com/office/drawing/2014/main" id="{37B0D905-3E64-0FDE-BF66-28337412D320}"/>
               </a:ext>
             </a:extLst>
           </p:cNvPr>
@@ -1949,7 +1949,7 @@
           <a:bodyPr/>
           <a:lstStyle/>
           <a:p>
-            <a:fld id="{7F59BC3D-56DB-49AC-A56D-DD64404BF0C0}" type="datetimeFigureOut">
+            <a:fld id="{B89F2481-DDFB-4D9A-AD6B-25A4A1F61E71}" type="datetimeFigureOut">
               <a:rPr lang="zh-CN" altLang="en-US" smtClean="0"/>
               <a:t>2024/3/10</a:t>
             </a:fld>
@@ -1962,7 +1962,7 @@
           <p:cNvPr id="4" name="页脚占位符 3">
             <a:extLst>
               <a:ext uri="{FF2B5EF4-FFF2-40B4-BE49-F238E27FC236}">
-                <a16:creationId xmlns:a16="http://schemas.microsoft.com/office/drawing/2014/main" id="{57AAF1C9-21CF-F39E-1D85-97191289E914}"/>
+                <a16:creationId xmlns:a16="http://schemas.microsoft.com/office/drawing/2014/main" id="{83CA26E7-CEFF-F9D1-87EF-D34246C0BC1E}"/>
               </a:ext>
             </a:extLst>
           </p:cNvPr>
@@ -1987,7 +1987,7 @@
           <p:cNvPr id="5" name="灯片编号占位符 4">
             <a:extLst>
               <a:ext uri="{FF2B5EF4-FFF2-40B4-BE49-F238E27FC236}">
-                <a16:creationId xmlns:a16="http://schemas.microsoft.com/office/drawing/2014/main" id="{89C7A638-869C-0B57-D23A-B08350A3120E}"/>
+                <a16:creationId xmlns:a16="http://schemas.microsoft.com/office/drawing/2014/main" id="{B43D450F-5357-B794-7EE1-2AF3F7951D54}"/>
               </a:ext>
             </a:extLst>
           </p:cNvPr>
@@ -2003,7 +2003,7 @@
           <a:bodyPr/>
           <a:lstStyle/>
           <a:p>
-            <a:fld id="{7E5EEA4A-DC61-4408-880F-957AE3177D89}" type="slidenum">
+            <a:fld id="{0DF4A9C0-E55E-4637-9335-6549DE6A7FCA}" type="slidenum">
               <a:rPr lang="zh-CN" altLang="en-US" smtClean="0"/>
               <a:t>‹#›</a:t>
             </a:fld>
@@ -2014,7 +2014,7 @@
     </p:spTree>
     <p:extLst>
       <p:ext uri="{BB962C8B-B14F-4D97-AF65-F5344CB8AC3E}">
-        <p14:creationId xmlns:p14="http://schemas.microsoft.com/office/powerpoint/2010/main" val="376345032"/>
+        <p14:creationId xmlns:p14="http://schemas.microsoft.com/office/powerpoint/2010/main" val="1244875319"/>
       </p:ext>
     </p:extLst>
   </p:cSld>
@@ -2046,7 +2046,7 @@
           <p:cNvPr id="2" name="日期占位符 1">
             <a:extLst>
               <a:ext uri="{FF2B5EF4-FFF2-40B4-BE49-F238E27FC236}">
-                <a16:creationId xmlns:a16="http://schemas.microsoft.com/office/drawing/2014/main" id="{686B7548-924E-1347-22B9-AD8C71D0F5A2}"/>
+                <a16:creationId xmlns:a16="http://schemas.microsoft.com/office/drawing/2014/main" id="{F7A0F096-4E05-B868-1906-C22B48936EFA}"/>
               </a:ext>
             </a:extLst>
           </p:cNvPr>
@@ -2062,7 +2062,7 @@
           <a:bodyPr/>
           <a:lstStyle/>
           <a:p>
-            <a:fld id="{7F59BC3D-56DB-49AC-A56D-DD64404BF0C0}" type="datetimeFigureOut">
+            <a:fld id="{B89F2481-DDFB-4D9A-AD6B-25A4A1F61E71}" type="datetimeFigureOut">
               <a:rPr lang="zh-CN" altLang="en-US" smtClean="0"/>
               <a:t>2024/3/10</a:t>
             </a:fld>
@@ -2075,7 +2075,7 @@
           <p:cNvPr id="3" name="页脚占位符 2">
             <a:extLst>
               <a:ext uri="{FF2B5EF4-FFF2-40B4-BE49-F238E27FC236}">
-                <a16:creationId xmlns:a16="http://schemas.microsoft.com/office/drawing/2014/main" id="{C0645592-5AEE-5C91-516D-CDC164E88127}"/>
+                <a16:creationId xmlns:a16="http://schemas.microsoft.com/office/drawing/2014/main" id="{E59EAC8C-6A08-846E-8F88-9F819F49C34B}"/>
               </a:ext>
             </a:extLst>
           </p:cNvPr>
@@ -2100,7 +2100,7 @@
           <p:cNvPr id="4" name="灯片编号占位符 3">
             <a:extLst>
               <a:ext uri="{FF2B5EF4-FFF2-40B4-BE49-F238E27FC236}">
-                <a16:creationId xmlns:a16="http://schemas.microsoft.com/office/drawing/2014/main" id="{F6BFE948-0265-4794-3BE3-8BD7DA25F5F4}"/>
+                <a16:creationId xmlns:a16="http://schemas.microsoft.com/office/drawing/2014/main" id="{AE405FA2-907F-D27E-2106-53EF53D9A079}"/>
               </a:ext>
             </a:extLst>
           </p:cNvPr>
@@ -2116,7 +2116,7 @@
           <a:bodyPr/>
           <a:lstStyle/>
           <a:p>
-            <a:fld id="{7E5EEA4A-DC61-4408-880F-957AE3177D89}" type="slidenum">
+            <a:fld id="{0DF4A9C0-E55E-4637-9335-6549DE6A7FCA}" type="slidenum">
               <a:rPr lang="zh-CN" altLang="en-US" smtClean="0"/>
               <a:t>‹#›</a:t>
             </a:fld>
@@ -2127,7 +2127,7 @@
     </p:spTree>
     <p:extLst>
       <p:ext uri="{BB962C8B-B14F-4D97-AF65-F5344CB8AC3E}">
-        <p14:creationId xmlns:p14="http://schemas.microsoft.com/office/powerpoint/2010/main" val="1108809464"/>
+        <p14:creationId xmlns:p14="http://schemas.microsoft.com/office/powerpoint/2010/main" val="408096994"/>
       </p:ext>
     </p:extLst>
   </p:cSld>
@@ -2159,7 +2159,7 @@
           <p:cNvPr id="2" name="标题 1">
             <a:extLst>
               <a:ext uri="{FF2B5EF4-FFF2-40B4-BE49-F238E27FC236}">
-                <a16:creationId xmlns:a16="http://schemas.microsoft.com/office/drawing/2014/main" id="{6EAB5C42-207A-960E-2D1E-3692BA0EDFEE}"/>
+                <a16:creationId xmlns:a16="http://schemas.microsoft.com/office/drawing/2014/main" id="{4D93ECBC-FF3D-A5BA-4E5F-F1EE35AB914E}"/>
               </a:ext>
             </a:extLst>
           </p:cNvPr>
@@ -2196,7 +2196,7 @@
           <p:cNvPr id="3" name="内容占位符 2">
             <a:extLst>
               <a:ext uri="{FF2B5EF4-FFF2-40B4-BE49-F238E27FC236}">
-                <a16:creationId xmlns:a16="http://schemas.microsoft.com/office/drawing/2014/main" id="{AFADE8FB-A118-BDC1-DA65-7F11FCE391F7}"/>
+                <a16:creationId xmlns:a16="http://schemas.microsoft.com/office/drawing/2014/main" id="{60434CF5-C746-9E8C-DC88-9B0FD2C2D299}"/>
               </a:ext>
             </a:extLst>
           </p:cNvPr>
@@ -2286,7 +2286,7 @@
           <p:cNvPr id="4" name="文本占位符 3">
             <a:extLst>
               <a:ext uri="{FF2B5EF4-FFF2-40B4-BE49-F238E27FC236}">
-                <a16:creationId xmlns:a16="http://schemas.microsoft.com/office/drawing/2014/main" id="{49DAB03F-E2D3-3625-6432-CE62C6674386}"/>
+                <a16:creationId xmlns:a16="http://schemas.microsoft.com/office/drawing/2014/main" id="{B7C8940B-33EB-864B-8A10-D5F92759A767}"/>
               </a:ext>
             </a:extLst>
           </p:cNvPr>
@@ -2357,7 +2357,7 @@
           <p:cNvPr id="5" name="日期占位符 4">
             <a:extLst>
               <a:ext uri="{FF2B5EF4-FFF2-40B4-BE49-F238E27FC236}">
-                <a16:creationId xmlns:a16="http://schemas.microsoft.com/office/drawing/2014/main" id="{22907AD1-6FEA-B06D-CEA6-15F177DD8C88}"/>
+                <a16:creationId xmlns:a16="http://schemas.microsoft.com/office/drawing/2014/main" id="{51145AAE-985F-D29C-A9ED-0E9C1DF76341}"/>
               </a:ext>
             </a:extLst>
           </p:cNvPr>
@@ -2373,7 +2373,7 @@
           <a:bodyPr/>
           <a:lstStyle/>
           <a:p>
-            <a:fld id="{7F59BC3D-56DB-49AC-A56D-DD64404BF0C0}" type="datetimeFigureOut">
+            <a:fld id="{B89F2481-DDFB-4D9A-AD6B-25A4A1F61E71}" type="datetimeFigureOut">
               <a:rPr lang="zh-CN" altLang="en-US" smtClean="0"/>
               <a:t>2024/3/10</a:t>
             </a:fld>
@@ -2386,7 +2386,7 @@
           <p:cNvPr id="6" name="页脚占位符 5">
             <a:extLst>
               <a:ext uri="{FF2B5EF4-FFF2-40B4-BE49-F238E27FC236}">
-                <a16:creationId xmlns:a16="http://schemas.microsoft.com/office/drawing/2014/main" id="{D3E98551-2DFD-0D29-F50E-E85F4CF8D02B}"/>
+                <a16:creationId xmlns:a16="http://schemas.microsoft.com/office/drawing/2014/main" id="{2948E7EA-68B3-0B5F-A959-0BEBBC334E40}"/>
               </a:ext>
             </a:extLst>
           </p:cNvPr>
@@ -2411,7 +2411,7 @@
           <p:cNvPr id="7" name="灯片编号占位符 6">
             <a:extLst>
               <a:ext uri="{FF2B5EF4-FFF2-40B4-BE49-F238E27FC236}">
-                <a16:creationId xmlns:a16="http://schemas.microsoft.com/office/drawing/2014/main" id="{F4C4CA02-14C8-C77E-0EE4-E422D22AE3E9}"/>
+                <a16:creationId xmlns:a16="http://schemas.microsoft.com/office/drawing/2014/main" id="{118E6A9F-55CD-B35E-5B42-C693D5D9B094}"/>
               </a:ext>
             </a:extLst>
           </p:cNvPr>
@@ -2427,7 +2427,7 @@
           <a:bodyPr/>
           <a:lstStyle/>
           <a:p>
-            <a:fld id="{7E5EEA4A-DC61-4408-880F-957AE3177D89}" type="slidenum">
+            <a:fld id="{0DF4A9C0-E55E-4637-9335-6549DE6A7FCA}" type="slidenum">
               <a:rPr lang="zh-CN" altLang="en-US" smtClean="0"/>
               <a:t>‹#›</a:t>
             </a:fld>
@@ -2438,7 +2438,7 @@
     </p:spTree>
     <p:extLst>
       <p:ext uri="{BB962C8B-B14F-4D97-AF65-F5344CB8AC3E}">
-        <p14:creationId xmlns:p14="http://schemas.microsoft.com/office/powerpoint/2010/main" val="643718466"/>
+        <p14:creationId xmlns:p14="http://schemas.microsoft.com/office/powerpoint/2010/main" val="4138735192"/>
       </p:ext>
     </p:extLst>
   </p:cSld>
@@ -2470,7 +2470,7 @@
           <p:cNvPr id="2" name="标题 1">
             <a:extLst>
               <a:ext uri="{FF2B5EF4-FFF2-40B4-BE49-F238E27FC236}">
-                <a16:creationId xmlns:a16="http://schemas.microsoft.com/office/drawing/2014/main" id="{FC5E0065-BE29-F954-1BF7-90E3BD4DC472}"/>
+                <a16:creationId xmlns:a16="http://schemas.microsoft.com/office/drawing/2014/main" id="{BC2BDBE3-8EB2-993C-F96E-BEA8B40443C2}"/>
               </a:ext>
             </a:extLst>
           </p:cNvPr>
@@ -2507,7 +2507,7 @@
           <p:cNvPr id="3" name="图片占位符 2">
             <a:extLst>
               <a:ext uri="{FF2B5EF4-FFF2-40B4-BE49-F238E27FC236}">
-                <a16:creationId xmlns:a16="http://schemas.microsoft.com/office/drawing/2014/main" id="{A651E390-FB98-6C0A-762E-1F9E23A7FC74}"/>
+                <a16:creationId xmlns:a16="http://schemas.microsoft.com/office/drawing/2014/main" id="{1C4C450C-85A4-3854-3056-3CDEB166B545}"/>
               </a:ext>
             </a:extLst>
           </p:cNvPr>
@@ -2574,7 +2574,7 @@
           <p:cNvPr id="4" name="文本占位符 3">
             <a:extLst>
               <a:ext uri="{FF2B5EF4-FFF2-40B4-BE49-F238E27FC236}">
-                <a16:creationId xmlns:a16="http://schemas.microsoft.com/office/drawing/2014/main" id="{4F85F246-6709-4F0C-F32D-1FBFA038B68D}"/>
+                <a16:creationId xmlns:a16="http://schemas.microsoft.com/office/drawing/2014/main" id="{091BEE36-2ECA-5FB1-1970-5D2DCCC50737}"/>
               </a:ext>
             </a:extLst>
           </p:cNvPr>
@@ -2645,7 +2645,7 @@
           <p:cNvPr id="5" name="日期占位符 4">
             <a:extLst>
               <a:ext uri="{FF2B5EF4-FFF2-40B4-BE49-F238E27FC236}">
-                <a16:creationId xmlns:a16="http://schemas.microsoft.com/office/drawing/2014/main" id="{F4787DCC-DFE2-9FE5-C115-25A0FC306905}"/>
+                <a16:creationId xmlns:a16="http://schemas.microsoft.com/office/drawing/2014/main" id="{32C07ACB-DAB2-F0D3-C956-B4E706E12EE5}"/>
               </a:ext>
             </a:extLst>
           </p:cNvPr>
@@ -2661,7 +2661,7 @@
           <a:bodyPr/>
           <a:lstStyle/>
           <a:p>
-            <a:fld id="{7F59BC3D-56DB-49AC-A56D-DD64404BF0C0}" type="datetimeFigureOut">
+            <a:fld id="{B89F2481-DDFB-4D9A-AD6B-25A4A1F61E71}" type="datetimeFigureOut">
               <a:rPr lang="zh-CN" altLang="en-US" smtClean="0"/>
               <a:t>2024/3/10</a:t>
             </a:fld>
@@ -2674,7 +2674,7 @@
           <p:cNvPr id="6" name="页脚占位符 5">
             <a:extLst>
               <a:ext uri="{FF2B5EF4-FFF2-40B4-BE49-F238E27FC236}">
-                <a16:creationId xmlns:a16="http://schemas.microsoft.com/office/drawing/2014/main" id="{EE2FD314-A424-9948-7254-D3BEA922B856}"/>
+                <a16:creationId xmlns:a16="http://schemas.microsoft.com/office/drawing/2014/main" id="{955CE170-A03C-1CCA-108E-48A3C1CE49D9}"/>
               </a:ext>
             </a:extLst>
           </p:cNvPr>
@@ -2699,7 +2699,7 @@
           <p:cNvPr id="7" name="灯片编号占位符 6">
             <a:extLst>
               <a:ext uri="{FF2B5EF4-FFF2-40B4-BE49-F238E27FC236}">
-                <a16:creationId xmlns:a16="http://schemas.microsoft.com/office/drawing/2014/main" id="{E6D206BE-53EE-A30F-3F43-D7E78F316CB3}"/>
+                <a16:creationId xmlns:a16="http://schemas.microsoft.com/office/drawing/2014/main" id="{A40E35EB-4751-F6C4-A6E2-E48FB74C139C}"/>
               </a:ext>
             </a:extLst>
           </p:cNvPr>
@@ -2715,7 +2715,7 @@
           <a:bodyPr/>
           <a:lstStyle/>
           <a:p>
-            <a:fld id="{7E5EEA4A-DC61-4408-880F-957AE3177D89}" type="slidenum">
+            <a:fld id="{0DF4A9C0-E55E-4637-9335-6549DE6A7FCA}" type="slidenum">
               <a:rPr lang="zh-CN" altLang="en-US" smtClean="0"/>
               <a:t>‹#›</a:t>
             </a:fld>
@@ -2726,7 +2726,7 @@
     </p:spTree>
     <p:extLst>
       <p:ext uri="{BB962C8B-B14F-4D97-AF65-F5344CB8AC3E}">
-        <p14:creationId xmlns:p14="http://schemas.microsoft.com/office/powerpoint/2010/main" val="2742061179"/>
+        <p14:creationId xmlns:p14="http://schemas.microsoft.com/office/powerpoint/2010/main" val="3935211784"/>
       </p:ext>
     </p:extLst>
   </p:cSld>
@@ -2763,7 +2763,7 @@
           <p:cNvPr id="2" name="标题占位符 1">
             <a:extLst>
               <a:ext uri="{FF2B5EF4-FFF2-40B4-BE49-F238E27FC236}">
-                <a16:creationId xmlns:a16="http://schemas.microsoft.com/office/drawing/2014/main" id="{2D26FE6D-05B3-1D93-80F4-9C3BCDE5ACFE}"/>
+                <a16:creationId xmlns:a16="http://schemas.microsoft.com/office/drawing/2014/main" id="{E8B512B2-E4CC-1BE8-2728-F42377642258}"/>
               </a:ext>
             </a:extLst>
           </p:cNvPr>
@@ -2801,7 +2801,7 @@
           <p:cNvPr id="3" name="文本占位符 2">
             <a:extLst>
               <a:ext uri="{FF2B5EF4-FFF2-40B4-BE49-F238E27FC236}">
-                <a16:creationId xmlns:a16="http://schemas.microsoft.com/office/drawing/2014/main" id="{0C2348A5-7BAB-0403-29B1-DEA2DCBF95B2}"/>
+                <a16:creationId xmlns:a16="http://schemas.microsoft.com/office/drawing/2014/main" id="{7DFE4C70-D924-7279-1D2E-850A27EDA527}"/>
               </a:ext>
             </a:extLst>
           </p:cNvPr>
@@ -2868,7 +2868,7 @@
           <p:cNvPr id="4" name="日期占位符 3">
             <a:extLst>
               <a:ext uri="{FF2B5EF4-FFF2-40B4-BE49-F238E27FC236}">
-                <a16:creationId xmlns:a16="http://schemas.microsoft.com/office/drawing/2014/main" id="{1CBD82A3-E22D-ACD7-C35D-A373D5F60796}"/>
+                <a16:creationId xmlns:a16="http://schemas.microsoft.com/office/drawing/2014/main" id="{21306A1B-8B81-1A4C-F4A2-37C1321E6603}"/>
               </a:ext>
             </a:extLst>
           </p:cNvPr>
@@ -2902,7 +2902,7 @@
             </a:lvl1pPr>
           </a:lstStyle>
           <a:p>
-            <a:fld id="{7F59BC3D-56DB-49AC-A56D-DD64404BF0C0}" type="datetimeFigureOut">
+            <a:fld id="{B89F2481-DDFB-4D9A-AD6B-25A4A1F61E71}" type="datetimeFigureOut">
               <a:rPr lang="zh-CN" altLang="en-US" smtClean="0"/>
               <a:t>2024/3/10</a:t>
             </a:fld>
@@ -2915,7 +2915,7 @@
           <p:cNvPr id="5" name="页脚占位符 4">
             <a:extLst>
               <a:ext uri="{FF2B5EF4-FFF2-40B4-BE49-F238E27FC236}">
-                <a16:creationId xmlns:a16="http://schemas.microsoft.com/office/drawing/2014/main" id="{B1EE019B-F621-C62C-F2AD-87A355D63FE7}"/>
+                <a16:creationId xmlns:a16="http://schemas.microsoft.com/office/drawing/2014/main" id="{D80C6CF1-3BCC-223C-9EAB-E114CEE195B5}"/>
               </a:ext>
             </a:extLst>
           </p:cNvPr>
@@ -2958,7 +2958,7 @@
           <p:cNvPr id="6" name="灯片编号占位符 5">
             <a:extLst>
               <a:ext uri="{FF2B5EF4-FFF2-40B4-BE49-F238E27FC236}">
-                <a16:creationId xmlns:a16="http://schemas.microsoft.com/office/drawing/2014/main" id="{0D7A81C1-DCD8-4357-047A-C6C1F8491555}"/>
+                <a16:creationId xmlns:a16="http://schemas.microsoft.com/office/drawing/2014/main" id="{054F175A-EF89-4D25-5886-CC3C308FDD55}"/>
               </a:ext>
             </a:extLst>
           </p:cNvPr>
@@ -2992,7 +2992,7 @@
             </a:lvl1pPr>
           </a:lstStyle>
           <a:p>
-            <a:fld id="{7E5EEA4A-DC61-4408-880F-957AE3177D89}" type="slidenum">
+            <a:fld id="{0DF4A9C0-E55E-4637-9335-6549DE6A7FCA}" type="slidenum">
               <a:rPr lang="zh-CN" altLang="en-US" smtClean="0"/>
               <a:t>‹#›</a:t>
             </a:fld>
@@ -3003,7 +3003,7 @@
     </p:spTree>
     <p:extLst>
       <p:ext uri="{BB962C8B-B14F-4D97-AF65-F5344CB8AC3E}">
-        <p14:creationId xmlns:p14="http://schemas.microsoft.com/office/powerpoint/2010/main" val="4171310231"/>
+        <p14:creationId xmlns:p14="http://schemas.microsoft.com/office/powerpoint/2010/main" val="2938485407"/>
       </p:ext>
     </p:extLst>
   </p:cSld>
